--- a/Presentation2.pptx
+++ b/Presentation2.pptx
@@ -4086,7 +4086,10 @@
           <a:bodyPr/>
           <a:lstStyle/>
           <a:p>
-            <a:endParaRPr lang="en-US"/>
+            <a:r>
+              <a:rPr lang="en-US" dirty="0"/>
+              <a:t>Fatema</a:t>
+            </a:r>
           </a:p>
         </p:txBody>
       </p:sp>
@@ -4166,7 +4169,10 @@
           <a:bodyPr/>
           <a:lstStyle/>
           <a:p>
-            <a:endParaRPr lang="en-US"/>
+            <a:r>
+              <a:rPr lang="en-US" dirty="0"/>
+              <a:t>Kristina</a:t>
+            </a:r>
           </a:p>
         </p:txBody>
       </p:sp>
@@ -4246,7 +4252,10 @@
           <a:bodyPr/>
           <a:lstStyle/>
           <a:p>
-            <a:endParaRPr lang="en-US"/>
+            <a:r>
+              <a:rPr lang="en-US" dirty="0"/>
+              <a:t>Frank	</a:t>
+            </a:r>
           </a:p>
         </p:txBody>
       </p:sp>
@@ -4326,7 +4335,10 @@
           <a:bodyPr/>
           <a:lstStyle/>
           <a:p>
-            <a:endParaRPr lang="en-US"/>
+            <a:r>
+              <a:rPr lang="en-US"/>
+              <a:t>David</a:t>
+            </a:r>
           </a:p>
         </p:txBody>
       </p:sp>
